--- a/Диплом/Мой/Презентация.pptx
+++ b/Диплом/Мой/Презентация.pptx
@@ -8,6 +8,13 @@
     <p:sldId id="268" r:id="rId2"/>
     <p:sldId id="270" r:id="rId3"/>
     <p:sldId id="271" r:id="rId4"/>
+    <p:sldId id="274" r:id="rId5"/>
+    <p:sldId id="272" r:id="rId6"/>
+    <p:sldId id="273" r:id="rId7"/>
+    <p:sldId id="275" r:id="rId8"/>
+    <p:sldId id="276" r:id="rId9"/>
+    <p:sldId id="277" r:id="rId10"/>
+    <p:sldId id="278" r:id="rId11"/>
   </p:sldIdLst>
   <p:sldSz cx="12192000" cy="6858000"/>
   <p:notesSz cx="6858000" cy="9144000"/>
@@ -106,6 +113,29 @@
       </a:defRPr>
     </a:lvl9pPr>
   </p:defaultTextStyle>
+  <p:extLst>
+    <p:ext uri="{521415D9-36F7-43E2-AB2F-B90AF26B5E84}">
+      <p14:sectionLst xmlns:p14="http://schemas.microsoft.com/office/powerpoint/2010/main">
+        <p14:section name="Раздел по умолчанию" id="{100A0C52-B839-4275-970E-4A4679A38F8A}">
+          <p14:sldIdLst>
+            <p14:sldId id="268"/>
+            <p14:sldId id="270"/>
+            <p14:sldId id="271"/>
+            <p14:sldId id="274"/>
+            <p14:sldId id="272"/>
+            <p14:sldId id="273"/>
+            <p14:sldId id="275"/>
+            <p14:sldId id="276"/>
+            <p14:sldId id="277"/>
+            <p14:sldId id="278"/>
+          </p14:sldIdLst>
+        </p14:section>
+      </p14:sectionLst>
+    </p:ext>
+    <p:ext uri="{EFAFB233-063F-42B5-8137-9DF3F51BA10A}">
+      <p15:sldGuideLst xmlns:p15="http://schemas.microsoft.com/office/powerpoint/2012/main"/>
+    </p:ext>
+  </p:extLst>
 </p:presentation>
 </file>
 
@@ -256,7 +286,7 @@
           <a:p>
             <a:fld id="{85F72CD9-0D68-4353-874B-D3807195FF9D}" type="datetimeFigureOut">
               <a:rPr lang="ru-RU" smtClean="0"/>
-              <a:t>20.05.2025</a:t>
+              <a:t>21.05.2025</a:t>
             </a:fld>
             <a:endParaRPr lang="ru-RU"/>
           </a:p>
@@ -454,7 +484,7 @@
           <a:p>
             <a:fld id="{85F72CD9-0D68-4353-874B-D3807195FF9D}" type="datetimeFigureOut">
               <a:rPr lang="ru-RU" smtClean="0"/>
-              <a:t>20.05.2025</a:t>
+              <a:t>21.05.2025</a:t>
             </a:fld>
             <a:endParaRPr lang="ru-RU"/>
           </a:p>
@@ -662,7 +692,7 @@
           <a:p>
             <a:fld id="{85F72CD9-0D68-4353-874B-D3807195FF9D}" type="datetimeFigureOut">
               <a:rPr lang="ru-RU" smtClean="0"/>
-              <a:t>20.05.2025</a:t>
+              <a:t>21.05.2025</a:t>
             </a:fld>
             <a:endParaRPr lang="ru-RU"/>
           </a:p>
@@ -860,7 +890,7 @@
           <a:p>
             <a:fld id="{85F72CD9-0D68-4353-874B-D3807195FF9D}" type="datetimeFigureOut">
               <a:rPr lang="ru-RU" smtClean="0"/>
-              <a:t>20.05.2025</a:t>
+              <a:t>21.05.2025</a:t>
             </a:fld>
             <a:endParaRPr lang="ru-RU"/>
           </a:p>
@@ -1135,7 +1165,7 @@
           <a:p>
             <a:fld id="{85F72CD9-0D68-4353-874B-D3807195FF9D}" type="datetimeFigureOut">
               <a:rPr lang="ru-RU" smtClean="0"/>
-              <a:t>20.05.2025</a:t>
+              <a:t>21.05.2025</a:t>
             </a:fld>
             <a:endParaRPr lang="ru-RU"/>
           </a:p>
@@ -1400,7 +1430,7 @@
           <a:p>
             <a:fld id="{85F72CD9-0D68-4353-874B-D3807195FF9D}" type="datetimeFigureOut">
               <a:rPr lang="ru-RU" smtClean="0"/>
-              <a:t>20.05.2025</a:t>
+              <a:t>21.05.2025</a:t>
             </a:fld>
             <a:endParaRPr lang="ru-RU"/>
           </a:p>
@@ -1812,7 +1842,7 @@
           <a:p>
             <a:fld id="{85F72CD9-0D68-4353-874B-D3807195FF9D}" type="datetimeFigureOut">
               <a:rPr lang="ru-RU" smtClean="0"/>
-              <a:t>20.05.2025</a:t>
+              <a:t>21.05.2025</a:t>
             </a:fld>
             <a:endParaRPr lang="ru-RU"/>
           </a:p>
@@ -1953,7 +1983,7 @@
           <a:p>
             <a:fld id="{85F72CD9-0D68-4353-874B-D3807195FF9D}" type="datetimeFigureOut">
               <a:rPr lang="ru-RU" smtClean="0"/>
-              <a:t>20.05.2025</a:t>
+              <a:t>21.05.2025</a:t>
             </a:fld>
             <a:endParaRPr lang="ru-RU"/>
           </a:p>
@@ -2066,7 +2096,7 @@
           <a:p>
             <a:fld id="{85F72CD9-0D68-4353-874B-D3807195FF9D}" type="datetimeFigureOut">
               <a:rPr lang="ru-RU" smtClean="0"/>
-              <a:t>20.05.2025</a:t>
+              <a:t>21.05.2025</a:t>
             </a:fld>
             <a:endParaRPr lang="ru-RU"/>
           </a:p>
@@ -2377,7 +2407,7 @@
           <a:p>
             <a:fld id="{85F72CD9-0D68-4353-874B-D3807195FF9D}" type="datetimeFigureOut">
               <a:rPr lang="ru-RU" smtClean="0"/>
-              <a:t>20.05.2025</a:t>
+              <a:t>21.05.2025</a:t>
             </a:fld>
             <a:endParaRPr lang="ru-RU"/>
           </a:p>
@@ -2665,7 +2695,7 @@
           <a:p>
             <a:fld id="{85F72CD9-0D68-4353-874B-D3807195FF9D}" type="datetimeFigureOut">
               <a:rPr lang="ru-RU" smtClean="0"/>
-              <a:t>20.05.2025</a:t>
+              <a:t>21.05.2025</a:t>
             </a:fld>
             <a:endParaRPr lang="ru-RU"/>
           </a:p>
@@ -2906,7 +2936,7 @@
           <a:p>
             <a:fld id="{85F72CD9-0D68-4353-874B-D3807195FF9D}" type="datetimeFigureOut">
               <a:rPr lang="ru-RU" smtClean="0"/>
-              <a:t>20.05.2025</a:t>
+              <a:t>21.05.2025</a:t>
             </a:fld>
             <a:endParaRPr lang="ru-RU"/>
           </a:p>
@@ -3527,8 +3557,8 @@
         </p:nvSpPr>
         <p:spPr>
           <a:xfrm>
-            <a:off x="2847111" y="460572"/>
-            <a:ext cx="6844145" cy="400110"/>
+            <a:off x="2902998" y="436602"/>
+            <a:ext cx="6788258" cy="400110"/>
           </a:xfrm>
           <a:prstGeom prst="rect">
             <a:avLst/>
@@ -3556,6 +3586,99 @@
     <p:extLst>
       <p:ext uri="{BB962C8B-B14F-4D97-AF65-F5344CB8AC3E}">
         <p14:creationId xmlns:p14="http://schemas.microsoft.com/office/powerpoint/2010/main" val="159499848"/>
+      </p:ext>
+    </p:extLst>
+  </p:cSld>
+  <p:clrMapOvr>
+    <a:masterClrMapping/>
+  </p:clrMapOvr>
+</p:sld>
+</file>
+
+<file path=ppt/slides/slide10.xml><?xml version="1.0" encoding="utf-8"?>
+<p:sld xmlns:a="http://schemas.openxmlformats.org/drawingml/2006/main" xmlns:r="http://schemas.openxmlformats.org/officeDocument/2006/relationships" xmlns:p="http://schemas.openxmlformats.org/presentationml/2006/main">
+  <p:cSld>
+    <p:spTree>
+      <p:nvGrpSpPr>
+        <p:cNvPr id="1" name=""/>
+        <p:cNvGrpSpPr/>
+        <p:nvPr/>
+      </p:nvGrpSpPr>
+      <p:grpSpPr>
+        <a:xfrm>
+          <a:off x="0" y="0"/>
+          <a:ext cx="0" cy="0"/>
+          <a:chOff x="0" y="0"/>
+          <a:chExt cx="0" cy="0"/>
+        </a:xfrm>
+      </p:grpSpPr>
+      <p:sp>
+        <p:nvSpPr>
+          <p:cNvPr id="2" name="Заголовок 1">
+            <a:extLst>
+              <a:ext uri="{FF2B5EF4-FFF2-40B4-BE49-F238E27FC236}">
+                <a16:creationId xmlns:a16="http://schemas.microsoft.com/office/drawing/2014/main" id="{D4DADC63-E889-4000-A151-C7F9B851DDF0}"/>
+              </a:ext>
+            </a:extLst>
+          </p:cNvPr>
+          <p:cNvSpPr>
+            <a:spLocks noGrp="1"/>
+          </p:cNvSpPr>
+          <p:nvPr>
+            <p:ph type="title"/>
+          </p:nvPr>
+        </p:nvSpPr>
+        <p:spPr/>
+        <p:txBody>
+          <a:bodyPr/>
+          <a:lstStyle/>
+          <a:p>
+            <a:r>
+              <a:rPr lang="ru-RU" b="1" dirty="0"/>
+              <a:t>			Спасибо за внимание!</a:t>
+            </a:r>
+          </a:p>
+        </p:txBody>
+      </p:sp>
+      <p:pic>
+        <p:nvPicPr>
+          <p:cNvPr id="5" name="Объект 4">
+            <a:extLst>
+              <a:ext uri="{FF2B5EF4-FFF2-40B4-BE49-F238E27FC236}">
+                <a16:creationId xmlns:a16="http://schemas.microsoft.com/office/drawing/2014/main" id="{DF22FACF-C142-4FDD-A176-B9319EBB682F}"/>
+              </a:ext>
+            </a:extLst>
+          </p:cNvPr>
+          <p:cNvPicPr>
+            <a:picLocks noGrp="1" noChangeAspect="1"/>
+          </p:cNvPicPr>
+          <p:nvPr>
+            <p:ph idx="1"/>
+          </p:nvPr>
+        </p:nvPicPr>
+        <p:blipFill>
+          <a:blip r:embed="rId2">
+            <a:extLst>
+              <a:ext uri="{28A0092B-C50C-407E-A947-70E740481C1C}">
+                <a14:useLocalDpi xmlns:a14="http://schemas.microsoft.com/office/drawing/2010/main" val="0"/>
+              </a:ext>
+            </a:extLst>
+          </a:blip>
+          <a:stretch>
+            <a:fillRect/>
+          </a:stretch>
+        </p:blipFill>
+        <p:spPr>
+          <a:xfrm>
+            <a:off x="2228144" y="1825625"/>
+            <a:ext cx="7735712" cy="4351338"/>
+          </a:xfrm>
+        </p:spPr>
+      </p:pic>
+    </p:spTree>
+    <p:extLst>
+      <p:ext uri="{BB962C8B-B14F-4D97-AF65-F5344CB8AC3E}">
+        <p14:creationId xmlns:p14="http://schemas.microsoft.com/office/powerpoint/2010/main" val="409420410"/>
       </p:ext>
     </p:extLst>
   </p:cSld>
@@ -3643,7 +3766,7 @@
         <p:spPr/>
         <p:txBody>
           <a:bodyPr>
-            <a:normAutofit fontScale="85000" lnSpcReduction="10000"/>
+            <a:normAutofit fontScale="77500" lnSpcReduction="20000"/>
           </a:bodyPr>
           <a:lstStyle/>
           <a:p>
@@ -3656,7 +3779,7 @@
               </a:spcAft>
             </a:pPr>
             <a:r>
-              <a:rPr lang="ru-RU" sz="2800" dirty="0">
+              <a:rPr lang="ru-RU" sz="2800" b="1" dirty="0">
                 <a:effectLst/>
                 <a:latin typeface="Times New Roman" panose="02020603050405020304" pitchFamily="18" charset="0"/>
                 <a:ea typeface="Calibri" panose="020F0502020204030204" pitchFamily="34" charset="0"/>
@@ -3665,7 +3788,7 @@
               <a:t>В современном мире электронная коммерция стала неотъемлемой частью глобальной экономики. По данным статистики, объем мирового рынка интернет-торговли в 2023 году превысил 6,3 триллиона долларов США, а к 2027 году ожидается рост до 8,1 триллиона. В условиях цифровой трансформации и </a:t>
             </a:r>
             <a:r>
-              <a:rPr lang="ru-RU" sz="2800" dirty="0" err="1">
+              <a:rPr lang="ru-RU" sz="2800" b="1" dirty="0" err="1">
                 <a:effectLst/>
                 <a:latin typeface="Times New Roman" panose="02020603050405020304" pitchFamily="18" charset="0"/>
                 <a:ea typeface="Calibri" panose="020F0502020204030204" pitchFamily="34" charset="0"/>
@@ -3674,7 +3797,7 @@
               <a:t>пандемийных</a:t>
             </a:r>
             <a:r>
-              <a:rPr lang="ru-RU" sz="2800" dirty="0">
+              <a:rPr lang="ru-RU" sz="2800" b="1" dirty="0">
                 <a:effectLst/>
                 <a:latin typeface="Times New Roman" panose="02020603050405020304" pitchFamily="18" charset="0"/>
                 <a:ea typeface="Calibri" panose="020F0502020204030204" pitchFamily="34" charset="0"/>
@@ -3693,7 +3816,7 @@
               </a:spcAft>
             </a:pPr>
             <a:r>
-              <a:rPr lang="ru-RU" sz="2800" dirty="0">
+              <a:rPr lang="ru-RU" sz="2800" b="1" dirty="0">
                 <a:effectLst/>
                 <a:latin typeface="Times New Roman" panose="02020603050405020304" pitchFamily="18" charset="0"/>
                 <a:ea typeface="Calibri" panose="020F0502020204030204" pitchFamily="34" charset="0"/>
@@ -3786,7 +3909,12 @@
             <p:ph idx="1"/>
           </p:nvPr>
         </p:nvSpPr>
-        <p:spPr/>
+        <p:spPr>
+          <a:xfrm>
+            <a:off x="838200" y="1825625"/>
+            <a:ext cx="10515600" cy="2053917"/>
+          </a:xfrm>
+        </p:spPr>
         <p:txBody>
           <a:bodyPr/>
           <a:lstStyle/>
@@ -3823,10 +3951,664 @@
           </a:p>
         </p:txBody>
       </p:sp>
+      <p:pic>
+        <p:nvPicPr>
+          <p:cNvPr id="6" name="Объект 4">
+            <a:extLst>
+              <a:ext uri="{FF2B5EF4-FFF2-40B4-BE49-F238E27FC236}">
+                <a16:creationId xmlns:a16="http://schemas.microsoft.com/office/drawing/2014/main" id="{3EC037F2-7D33-4C9D-A76F-342A8B485E46}"/>
+              </a:ext>
+            </a:extLst>
+          </p:cNvPr>
+          <p:cNvPicPr>
+            <a:picLocks noChangeAspect="1"/>
+          </p:cNvPicPr>
+          <p:nvPr/>
+        </p:nvPicPr>
+        <p:blipFill>
+          <a:blip r:embed="rId2">
+            <a:extLst>
+              <a:ext uri="{28A0092B-C50C-407E-A947-70E740481C1C}">
+                <a14:useLocalDpi xmlns:a14="http://schemas.microsoft.com/office/drawing/2010/main" val="0"/>
+              </a:ext>
+            </a:extLst>
+          </a:blip>
+          <a:stretch>
+            <a:fillRect/>
+          </a:stretch>
+        </p:blipFill>
+        <p:spPr>
+          <a:xfrm>
+            <a:off x="0" y="3844031"/>
+            <a:ext cx="12192000" cy="3013969"/>
+          </a:xfrm>
+          <a:prstGeom prst="rect">
+            <a:avLst/>
+          </a:prstGeom>
+        </p:spPr>
+      </p:pic>
     </p:spTree>
     <p:extLst>
       <p:ext uri="{BB962C8B-B14F-4D97-AF65-F5344CB8AC3E}">
         <p14:creationId xmlns:p14="http://schemas.microsoft.com/office/powerpoint/2010/main" val="2244673148"/>
+      </p:ext>
+    </p:extLst>
+  </p:cSld>
+  <p:clrMapOvr>
+    <a:masterClrMapping/>
+  </p:clrMapOvr>
+</p:sld>
+</file>
+
+<file path=ppt/slides/slide4.xml><?xml version="1.0" encoding="utf-8"?>
+<p:sld xmlns:a="http://schemas.openxmlformats.org/drawingml/2006/main" xmlns:r="http://schemas.openxmlformats.org/officeDocument/2006/relationships" xmlns:p="http://schemas.openxmlformats.org/presentationml/2006/main">
+  <p:cSld>
+    <p:spTree>
+      <p:nvGrpSpPr>
+        <p:cNvPr id="1" name=""/>
+        <p:cNvGrpSpPr/>
+        <p:nvPr/>
+      </p:nvGrpSpPr>
+      <p:grpSpPr>
+        <a:xfrm>
+          <a:off x="0" y="0"/>
+          <a:ext cx="0" cy="0"/>
+          <a:chOff x="0" y="0"/>
+          <a:chExt cx="0" cy="0"/>
+        </a:xfrm>
+      </p:grpSpPr>
+      <p:sp>
+        <p:nvSpPr>
+          <p:cNvPr id="2" name="Заголовок 1">
+            <a:extLst>
+              <a:ext uri="{FF2B5EF4-FFF2-40B4-BE49-F238E27FC236}">
+                <a16:creationId xmlns:a16="http://schemas.microsoft.com/office/drawing/2014/main" id="{5F3D5A08-7441-42FE-B2A6-FD5508E63F37}"/>
+              </a:ext>
+            </a:extLst>
+          </p:cNvPr>
+          <p:cNvSpPr>
+            <a:spLocks noGrp="1"/>
+          </p:cNvSpPr>
+          <p:nvPr>
+            <p:ph type="title"/>
+          </p:nvPr>
+        </p:nvSpPr>
+        <p:spPr/>
+        <p:txBody>
+          <a:bodyPr/>
+          <a:lstStyle/>
+          <a:p>
+            <a:r>
+              <a:rPr lang="ru-RU" b="1" dirty="0"/>
+              <a:t>Настройка </a:t>
+            </a:r>
+            <a:r>
+              <a:rPr lang="en-US" b="1" dirty="0"/>
+              <a:t>IDE</a:t>
+            </a:r>
+            <a:endParaRPr lang="ru-RU" b="1" dirty="0"/>
+          </a:p>
+        </p:txBody>
+      </p:sp>
+      <p:pic>
+        <p:nvPicPr>
+          <p:cNvPr id="5" name="Объект 4">
+            <a:extLst>
+              <a:ext uri="{FF2B5EF4-FFF2-40B4-BE49-F238E27FC236}">
+                <a16:creationId xmlns:a16="http://schemas.microsoft.com/office/drawing/2014/main" id="{8971F31A-7B8F-4284-ACA0-BB69843438D0}"/>
+              </a:ext>
+            </a:extLst>
+          </p:cNvPr>
+          <p:cNvPicPr>
+            <a:picLocks noGrp="1" noChangeAspect="1"/>
+          </p:cNvPicPr>
+          <p:nvPr>
+            <p:ph idx="1"/>
+          </p:nvPr>
+        </p:nvPicPr>
+        <p:blipFill>
+          <a:blip r:embed="rId2">
+            <a:extLst>
+              <a:ext uri="{28A0092B-C50C-407E-A947-70E740481C1C}">
+                <a14:useLocalDpi xmlns:a14="http://schemas.microsoft.com/office/drawing/2010/main" val="0"/>
+              </a:ext>
+            </a:extLst>
+          </a:blip>
+          <a:stretch>
+            <a:fillRect/>
+          </a:stretch>
+        </p:blipFill>
+        <p:spPr>
+          <a:xfrm>
+            <a:off x="933349" y="1429013"/>
+            <a:ext cx="9880659" cy="5220362"/>
+          </a:xfrm>
+        </p:spPr>
+      </p:pic>
+    </p:spTree>
+    <p:extLst>
+      <p:ext uri="{BB962C8B-B14F-4D97-AF65-F5344CB8AC3E}">
+        <p14:creationId xmlns:p14="http://schemas.microsoft.com/office/powerpoint/2010/main" val="814076258"/>
+      </p:ext>
+    </p:extLst>
+  </p:cSld>
+  <p:clrMapOvr>
+    <a:masterClrMapping/>
+  </p:clrMapOvr>
+</p:sld>
+</file>
+
+<file path=ppt/slides/slide5.xml><?xml version="1.0" encoding="utf-8"?>
+<p:sld xmlns:a="http://schemas.openxmlformats.org/drawingml/2006/main" xmlns:r="http://schemas.openxmlformats.org/officeDocument/2006/relationships" xmlns:p="http://schemas.openxmlformats.org/presentationml/2006/main">
+  <p:cSld>
+    <p:spTree>
+      <p:nvGrpSpPr>
+        <p:cNvPr id="1" name=""/>
+        <p:cNvGrpSpPr/>
+        <p:nvPr/>
+      </p:nvGrpSpPr>
+      <p:grpSpPr>
+        <a:xfrm>
+          <a:off x="0" y="0"/>
+          <a:ext cx="0" cy="0"/>
+          <a:chOff x="0" y="0"/>
+          <a:chExt cx="0" cy="0"/>
+        </a:xfrm>
+      </p:grpSpPr>
+      <p:sp>
+        <p:nvSpPr>
+          <p:cNvPr id="2" name="Заголовок 1">
+            <a:extLst>
+              <a:ext uri="{FF2B5EF4-FFF2-40B4-BE49-F238E27FC236}">
+                <a16:creationId xmlns:a16="http://schemas.microsoft.com/office/drawing/2014/main" id="{97D63C2E-7201-40F4-AE43-DA6920406327}"/>
+              </a:ext>
+            </a:extLst>
+          </p:cNvPr>
+          <p:cNvSpPr>
+            <a:spLocks noGrp="1"/>
+          </p:cNvSpPr>
+          <p:nvPr>
+            <p:ph type="title"/>
+          </p:nvPr>
+        </p:nvSpPr>
+        <p:spPr>
+          <a:xfrm>
+            <a:off x="343981" y="257452"/>
+            <a:ext cx="10246339" cy="1326704"/>
+          </a:xfrm>
+        </p:spPr>
+        <p:txBody>
+          <a:bodyPr/>
+          <a:lstStyle/>
+          <a:p>
+            <a:r>
+              <a:rPr lang="ru-RU" b="1" dirty="0"/>
+              <a:t>	Установка </a:t>
+            </a:r>
+            <a:r>
+              <a:rPr lang="en-US" b="1" dirty="0"/>
+              <a:t>Python</a:t>
+            </a:r>
+            <a:endParaRPr lang="ru-RU" dirty="0"/>
+          </a:p>
+        </p:txBody>
+      </p:sp>
+      <p:pic>
+        <p:nvPicPr>
+          <p:cNvPr id="5" name="Объект 4">
+            <a:extLst>
+              <a:ext uri="{FF2B5EF4-FFF2-40B4-BE49-F238E27FC236}">
+                <a16:creationId xmlns:a16="http://schemas.microsoft.com/office/drawing/2014/main" id="{0CE0B301-C891-4776-897A-E41CE5F6D6C9}"/>
+              </a:ext>
+            </a:extLst>
+          </p:cNvPr>
+          <p:cNvPicPr>
+            <a:picLocks noGrp="1" noChangeAspect="1"/>
+          </p:cNvPicPr>
+          <p:nvPr>
+            <p:ph idx="1"/>
+          </p:nvPr>
+        </p:nvPicPr>
+        <p:blipFill>
+          <a:blip r:embed="rId2">
+            <a:extLst>
+              <a:ext uri="{28A0092B-C50C-407E-A947-70E740481C1C}">
+                <a14:useLocalDpi xmlns:a14="http://schemas.microsoft.com/office/drawing/2010/main" val="0"/>
+              </a:ext>
+            </a:extLst>
+          </a:blip>
+          <a:stretch>
+            <a:fillRect/>
+          </a:stretch>
+        </p:blipFill>
+        <p:spPr>
+          <a:xfrm>
+            <a:off x="1401516" y="1481811"/>
+            <a:ext cx="9683023" cy="5012205"/>
+          </a:xfrm>
+        </p:spPr>
+      </p:pic>
+    </p:spTree>
+    <p:extLst>
+      <p:ext uri="{BB962C8B-B14F-4D97-AF65-F5344CB8AC3E}">
+        <p14:creationId xmlns:p14="http://schemas.microsoft.com/office/powerpoint/2010/main" val="3559856230"/>
+      </p:ext>
+    </p:extLst>
+  </p:cSld>
+  <p:clrMapOvr>
+    <a:masterClrMapping/>
+  </p:clrMapOvr>
+</p:sld>
+</file>
+
+<file path=ppt/slides/slide6.xml><?xml version="1.0" encoding="utf-8"?>
+<p:sld xmlns:a="http://schemas.openxmlformats.org/drawingml/2006/main" xmlns:r="http://schemas.openxmlformats.org/officeDocument/2006/relationships" xmlns:p="http://schemas.openxmlformats.org/presentationml/2006/main">
+  <p:cSld>
+    <p:spTree>
+      <p:nvGrpSpPr>
+        <p:cNvPr id="1" name=""/>
+        <p:cNvGrpSpPr/>
+        <p:nvPr/>
+      </p:nvGrpSpPr>
+      <p:grpSpPr>
+        <a:xfrm>
+          <a:off x="0" y="0"/>
+          <a:ext cx="0" cy="0"/>
+          <a:chOff x="0" y="0"/>
+          <a:chExt cx="0" cy="0"/>
+        </a:xfrm>
+      </p:grpSpPr>
+      <p:sp>
+        <p:nvSpPr>
+          <p:cNvPr id="2" name="Заголовок 1">
+            <a:extLst>
+              <a:ext uri="{FF2B5EF4-FFF2-40B4-BE49-F238E27FC236}">
+                <a16:creationId xmlns:a16="http://schemas.microsoft.com/office/drawing/2014/main" id="{EA8F778D-6917-41FE-A613-A6BD0698B6E4}"/>
+              </a:ext>
+            </a:extLst>
+          </p:cNvPr>
+          <p:cNvSpPr>
+            <a:spLocks noGrp="1"/>
+          </p:cNvSpPr>
+          <p:nvPr>
+            <p:ph type="title"/>
+          </p:nvPr>
+        </p:nvSpPr>
+        <p:spPr/>
+        <p:txBody>
+          <a:bodyPr/>
+          <a:lstStyle/>
+          <a:p>
+            <a:r>
+              <a:rPr lang="ru-RU" b="1" dirty="0"/>
+              <a:t>Создание виртуального окружения</a:t>
+            </a:r>
+          </a:p>
+        </p:txBody>
+      </p:sp>
+      <p:pic>
+        <p:nvPicPr>
+          <p:cNvPr id="5" name="Объект 4">
+            <a:extLst>
+              <a:ext uri="{FF2B5EF4-FFF2-40B4-BE49-F238E27FC236}">
+                <a16:creationId xmlns:a16="http://schemas.microsoft.com/office/drawing/2014/main" id="{32EFC880-FD30-45EA-9C2B-2B83D33CD9ED}"/>
+              </a:ext>
+            </a:extLst>
+          </p:cNvPr>
+          <p:cNvPicPr>
+            <a:picLocks noGrp="1" noChangeAspect="1"/>
+          </p:cNvPicPr>
+          <p:nvPr>
+            <p:ph idx="1"/>
+          </p:nvPr>
+        </p:nvPicPr>
+        <p:blipFill>
+          <a:blip r:embed="rId2">
+            <a:extLst>
+              <a:ext uri="{28A0092B-C50C-407E-A947-70E740481C1C}">
+                <a14:useLocalDpi xmlns:a14="http://schemas.microsoft.com/office/drawing/2010/main" val="0"/>
+              </a:ext>
+            </a:extLst>
+          </a:blip>
+          <a:stretch>
+            <a:fillRect/>
+          </a:stretch>
+        </p:blipFill>
+        <p:spPr>
+          <a:xfrm>
+            <a:off x="1002021" y="1626992"/>
+            <a:ext cx="9509139" cy="4983155"/>
+          </a:xfrm>
+        </p:spPr>
+      </p:pic>
+    </p:spTree>
+    <p:extLst>
+      <p:ext uri="{BB962C8B-B14F-4D97-AF65-F5344CB8AC3E}">
+        <p14:creationId xmlns:p14="http://schemas.microsoft.com/office/powerpoint/2010/main" val="837518656"/>
+      </p:ext>
+    </p:extLst>
+  </p:cSld>
+  <p:clrMapOvr>
+    <a:masterClrMapping/>
+  </p:clrMapOvr>
+</p:sld>
+</file>
+
+<file path=ppt/slides/slide7.xml><?xml version="1.0" encoding="utf-8"?>
+<p:sld xmlns:a="http://schemas.openxmlformats.org/drawingml/2006/main" xmlns:r="http://schemas.openxmlformats.org/officeDocument/2006/relationships" xmlns:p="http://schemas.openxmlformats.org/presentationml/2006/main">
+  <p:cSld>
+    <p:spTree>
+      <p:nvGrpSpPr>
+        <p:cNvPr id="1" name=""/>
+        <p:cNvGrpSpPr/>
+        <p:nvPr/>
+      </p:nvGrpSpPr>
+      <p:grpSpPr>
+        <a:xfrm>
+          <a:off x="0" y="0"/>
+          <a:ext cx="0" cy="0"/>
+          <a:chOff x="0" y="0"/>
+          <a:chExt cx="0" cy="0"/>
+        </a:xfrm>
+      </p:grpSpPr>
+      <p:sp>
+        <p:nvSpPr>
+          <p:cNvPr id="2" name="Заголовок 1">
+            <a:extLst>
+              <a:ext uri="{FF2B5EF4-FFF2-40B4-BE49-F238E27FC236}">
+                <a16:creationId xmlns:a16="http://schemas.microsoft.com/office/drawing/2014/main" id="{03083940-CE5B-4EDD-AA42-670412C940F1}"/>
+              </a:ext>
+            </a:extLst>
+          </p:cNvPr>
+          <p:cNvSpPr>
+            <a:spLocks noGrp="1"/>
+          </p:cNvSpPr>
+          <p:nvPr>
+            <p:ph type="title"/>
+          </p:nvPr>
+        </p:nvSpPr>
+        <p:spPr/>
+        <p:txBody>
+          <a:bodyPr/>
+          <a:lstStyle/>
+          <a:p>
+            <a:r>
+              <a:rPr lang="ru-RU" b="1" dirty="0"/>
+              <a:t>Структура проекта</a:t>
+            </a:r>
+          </a:p>
+        </p:txBody>
+      </p:sp>
+      <p:pic>
+        <p:nvPicPr>
+          <p:cNvPr id="5" name="Объект 4">
+            <a:extLst>
+              <a:ext uri="{FF2B5EF4-FFF2-40B4-BE49-F238E27FC236}">
+                <a16:creationId xmlns:a16="http://schemas.microsoft.com/office/drawing/2014/main" id="{D5CB9646-E3BE-46E2-A4BC-49A07855F2C1}"/>
+              </a:ext>
+            </a:extLst>
+          </p:cNvPr>
+          <p:cNvPicPr>
+            <a:picLocks noGrp="1" noChangeAspect="1"/>
+          </p:cNvPicPr>
+          <p:nvPr>
+            <p:ph idx="1"/>
+          </p:nvPr>
+        </p:nvPicPr>
+        <p:blipFill>
+          <a:blip r:embed="rId2">
+            <a:extLst>
+              <a:ext uri="{28A0092B-C50C-407E-A947-70E740481C1C}">
+                <a14:useLocalDpi xmlns:a14="http://schemas.microsoft.com/office/drawing/2010/main" val="0"/>
+              </a:ext>
+            </a:extLst>
+          </a:blip>
+          <a:stretch>
+            <a:fillRect/>
+          </a:stretch>
+        </p:blipFill>
+        <p:spPr>
+          <a:xfrm>
+            <a:off x="986581" y="1495830"/>
+            <a:ext cx="6293108" cy="3972815"/>
+          </a:xfrm>
+        </p:spPr>
+      </p:pic>
+    </p:spTree>
+    <p:extLst>
+      <p:ext uri="{BB962C8B-B14F-4D97-AF65-F5344CB8AC3E}">
+        <p14:creationId xmlns:p14="http://schemas.microsoft.com/office/powerpoint/2010/main" val="599057321"/>
+      </p:ext>
+    </p:extLst>
+  </p:cSld>
+  <p:clrMapOvr>
+    <a:masterClrMapping/>
+  </p:clrMapOvr>
+</p:sld>
+</file>
+
+<file path=ppt/slides/slide8.xml><?xml version="1.0" encoding="utf-8"?>
+<p:sld xmlns:a="http://schemas.openxmlformats.org/drawingml/2006/main" xmlns:r="http://schemas.openxmlformats.org/officeDocument/2006/relationships" xmlns:p="http://schemas.openxmlformats.org/presentationml/2006/main">
+  <p:cSld>
+    <p:spTree>
+      <p:nvGrpSpPr>
+        <p:cNvPr id="1" name=""/>
+        <p:cNvGrpSpPr/>
+        <p:nvPr/>
+      </p:nvGrpSpPr>
+      <p:grpSpPr>
+        <a:xfrm>
+          <a:off x="0" y="0"/>
+          <a:ext cx="0" cy="0"/>
+          <a:chOff x="0" y="0"/>
+          <a:chExt cx="0" cy="0"/>
+        </a:xfrm>
+      </p:grpSpPr>
+      <p:sp>
+        <p:nvSpPr>
+          <p:cNvPr id="2" name="Заголовок 1">
+            <a:extLst>
+              <a:ext uri="{FF2B5EF4-FFF2-40B4-BE49-F238E27FC236}">
+                <a16:creationId xmlns:a16="http://schemas.microsoft.com/office/drawing/2014/main" id="{27AF10FE-AB8A-4144-8EA4-2FB8DFC66FD3}"/>
+              </a:ext>
+            </a:extLst>
+          </p:cNvPr>
+          <p:cNvSpPr>
+            <a:spLocks noGrp="1"/>
+          </p:cNvSpPr>
+          <p:nvPr>
+            <p:ph type="title"/>
+          </p:nvPr>
+        </p:nvSpPr>
+        <p:spPr/>
+        <p:txBody>
+          <a:bodyPr/>
+          <a:lstStyle/>
+          <a:p>
+            <a:r>
+              <a:rPr lang="ru-RU" b="1" dirty="0"/>
+              <a:t>Внешний вид сайта</a:t>
+            </a:r>
+          </a:p>
+        </p:txBody>
+      </p:sp>
+      <p:pic>
+        <p:nvPicPr>
+          <p:cNvPr id="5" name="Объект 4">
+            <a:extLst>
+              <a:ext uri="{FF2B5EF4-FFF2-40B4-BE49-F238E27FC236}">
+                <a16:creationId xmlns:a16="http://schemas.microsoft.com/office/drawing/2014/main" id="{93ACE483-08B5-4189-9F59-EFA36D92755F}"/>
+              </a:ext>
+            </a:extLst>
+          </p:cNvPr>
+          <p:cNvPicPr>
+            <a:picLocks noGrp="1" noChangeAspect="1"/>
+          </p:cNvPicPr>
+          <p:nvPr>
+            <p:ph idx="1"/>
+          </p:nvPr>
+        </p:nvPicPr>
+        <p:blipFill>
+          <a:blip r:embed="rId2">
+            <a:extLst>
+              <a:ext uri="{28A0092B-C50C-407E-A947-70E740481C1C}">
+                <a14:useLocalDpi xmlns:a14="http://schemas.microsoft.com/office/drawing/2010/main" val="0"/>
+              </a:ext>
+            </a:extLst>
+          </a:blip>
+          <a:stretch>
+            <a:fillRect/>
+          </a:stretch>
+        </p:blipFill>
+        <p:spPr>
+          <a:xfrm>
+            <a:off x="900494" y="1421992"/>
+            <a:ext cx="7587609" cy="4632579"/>
+          </a:xfrm>
+        </p:spPr>
+      </p:pic>
+    </p:spTree>
+    <p:extLst>
+      <p:ext uri="{BB962C8B-B14F-4D97-AF65-F5344CB8AC3E}">
+        <p14:creationId xmlns:p14="http://schemas.microsoft.com/office/powerpoint/2010/main" val="3159477747"/>
+      </p:ext>
+    </p:extLst>
+  </p:cSld>
+  <p:clrMapOvr>
+    <a:masterClrMapping/>
+  </p:clrMapOvr>
+</p:sld>
+</file>
+
+<file path=ppt/slides/slide9.xml><?xml version="1.0" encoding="utf-8"?>
+<p:sld xmlns:a="http://schemas.openxmlformats.org/drawingml/2006/main" xmlns:r="http://schemas.openxmlformats.org/officeDocument/2006/relationships" xmlns:p="http://schemas.openxmlformats.org/presentationml/2006/main">
+  <p:cSld>
+    <p:spTree>
+      <p:nvGrpSpPr>
+        <p:cNvPr id="1" name=""/>
+        <p:cNvGrpSpPr/>
+        <p:nvPr/>
+      </p:nvGrpSpPr>
+      <p:grpSpPr>
+        <a:xfrm>
+          <a:off x="0" y="0"/>
+          <a:ext cx="0" cy="0"/>
+          <a:chOff x="0" y="0"/>
+          <a:chExt cx="0" cy="0"/>
+        </a:xfrm>
+      </p:grpSpPr>
+      <p:sp>
+        <p:nvSpPr>
+          <p:cNvPr id="2" name="Заголовок 1">
+            <a:extLst>
+              <a:ext uri="{FF2B5EF4-FFF2-40B4-BE49-F238E27FC236}">
+                <a16:creationId xmlns:a16="http://schemas.microsoft.com/office/drawing/2014/main" id="{B5C5AE2C-E9C2-462F-BBB3-1C5740098EEA}"/>
+              </a:ext>
+            </a:extLst>
+          </p:cNvPr>
+          <p:cNvSpPr>
+            <a:spLocks noGrp="1"/>
+          </p:cNvSpPr>
+          <p:nvPr>
+            <p:ph type="title"/>
+          </p:nvPr>
+        </p:nvSpPr>
+        <p:spPr/>
+        <p:txBody>
+          <a:bodyPr/>
+          <a:lstStyle/>
+          <a:p>
+            <a:r>
+              <a:rPr lang="ru-RU" b="1" dirty="0"/>
+              <a:t>Заключение</a:t>
+            </a:r>
+          </a:p>
+        </p:txBody>
+      </p:sp>
+      <p:sp>
+        <p:nvSpPr>
+          <p:cNvPr id="3" name="Объект 2">
+            <a:extLst>
+              <a:ext uri="{FF2B5EF4-FFF2-40B4-BE49-F238E27FC236}">
+                <a16:creationId xmlns:a16="http://schemas.microsoft.com/office/drawing/2014/main" id="{7D9982EE-3059-4D93-9B2D-F9FD16713C26}"/>
+              </a:ext>
+            </a:extLst>
+          </p:cNvPr>
+          <p:cNvSpPr>
+            <a:spLocks noGrp="1"/>
+          </p:cNvSpPr>
+          <p:nvPr>
+            <p:ph idx="1"/>
+          </p:nvPr>
+        </p:nvSpPr>
+        <p:spPr/>
+        <p:txBody>
+          <a:bodyPr/>
+          <a:lstStyle/>
+          <a:p>
+            <a:pPr indent="450215" algn="just">
+              <a:lnSpc>
+                <a:spcPct val="107000"/>
+              </a:lnSpc>
+              <a:spcAft>
+                <a:spcPts val="800"/>
+              </a:spcAft>
+            </a:pPr>
+            <a:r>
+              <a:rPr lang="ru-RU" sz="2800" dirty="0">
+                <a:effectLst/>
+                <a:latin typeface="Times New Roman" panose="02020603050405020304" pitchFamily="18" charset="0"/>
+                <a:ea typeface="Calibri" panose="020F0502020204030204" pitchFamily="34" charset="0"/>
+                <a:cs typeface="Times New Roman" panose="02020603050405020304" pitchFamily="18" charset="0"/>
+              </a:rPr>
+              <a:t>В ходе выполнения данной выпускной квалификационной работы была успешно разработана и реализована система интернет-магазина автозапчастей на современном веб-фреймворке </a:t>
+            </a:r>
+            <a:r>
+              <a:rPr lang="ru-RU" sz="2800" dirty="0" err="1">
+                <a:effectLst/>
+                <a:latin typeface="Times New Roman" panose="02020603050405020304" pitchFamily="18" charset="0"/>
+                <a:ea typeface="Calibri" panose="020F0502020204030204" pitchFamily="34" charset="0"/>
+                <a:cs typeface="Times New Roman" panose="02020603050405020304" pitchFamily="18" charset="0"/>
+              </a:rPr>
+              <a:t>Django</a:t>
+            </a:r>
+            <a:r>
+              <a:rPr lang="ru-RU" sz="2800" dirty="0">
+                <a:effectLst/>
+                <a:latin typeface="Times New Roman" panose="02020603050405020304" pitchFamily="18" charset="0"/>
+                <a:ea typeface="Calibri" panose="020F0502020204030204" pitchFamily="34" charset="0"/>
+                <a:cs typeface="Times New Roman" panose="02020603050405020304" pitchFamily="18" charset="0"/>
+              </a:rPr>
+              <a:t>. Проведенное исследование и практическая реализация проекта позволили достичь всех поставленных целей и подтвердить первоначальную гипотезу о возможности создания эффективного электронного </a:t>
+            </a:r>
+            <a:r>
+              <a:rPr lang="ru-RU" sz="2800" dirty="0" err="1">
+                <a:effectLst/>
+                <a:latin typeface="Times New Roman" panose="02020603050405020304" pitchFamily="18" charset="0"/>
+                <a:ea typeface="Calibri" panose="020F0502020204030204" pitchFamily="34" charset="0"/>
+                <a:cs typeface="Times New Roman" panose="02020603050405020304" pitchFamily="18" charset="0"/>
+              </a:rPr>
+              <a:t>коммерс</a:t>
+            </a:r>
+            <a:r>
+              <a:rPr lang="ru-RU" sz="2800" dirty="0">
+                <a:effectLst/>
+                <a:latin typeface="Times New Roman" panose="02020603050405020304" pitchFamily="18" charset="0"/>
+                <a:ea typeface="Calibri" panose="020F0502020204030204" pitchFamily="34" charset="0"/>
+                <a:cs typeface="Times New Roman" panose="02020603050405020304" pitchFamily="18" charset="0"/>
+              </a:rPr>
+              <a:t>-решения на базе этого технологического стека.</a:t>
+            </a:r>
+          </a:p>
+          <a:p>
+            <a:endParaRPr lang="ru-RU" dirty="0"/>
+          </a:p>
+        </p:txBody>
+      </p:sp>
+    </p:spTree>
+    <p:extLst>
+      <p:ext uri="{BB962C8B-B14F-4D97-AF65-F5344CB8AC3E}">
+        <p14:creationId xmlns:p14="http://schemas.microsoft.com/office/powerpoint/2010/main" val="2149250198"/>
       </p:ext>
     </p:extLst>
   </p:cSld>

--- a/Диплом/Мой/Презентация.pptx
+++ b/Диплом/Мой/Презентация.pptx
@@ -286,7 +286,7 @@
           <a:p>
             <a:fld id="{85F72CD9-0D68-4353-874B-D3807195FF9D}" type="datetimeFigureOut">
               <a:rPr lang="ru-RU" smtClean="0"/>
-              <a:t>21.05.2025</a:t>
+              <a:t>06.06.2025</a:t>
             </a:fld>
             <a:endParaRPr lang="ru-RU"/>
           </a:p>
@@ -484,7 +484,7 @@
           <a:p>
             <a:fld id="{85F72CD9-0D68-4353-874B-D3807195FF9D}" type="datetimeFigureOut">
               <a:rPr lang="ru-RU" smtClean="0"/>
-              <a:t>21.05.2025</a:t>
+              <a:t>06.06.2025</a:t>
             </a:fld>
             <a:endParaRPr lang="ru-RU"/>
           </a:p>
@@ -692,7 +692,7 @@
           <a:p>
             <a:fld id="{85F72CD9-0D68-4353-874B-D3807195FF9D}" type="datetimeFigureOut">
               <a:rPr lang="ru-RU" smtClean="0"/>
-              <a:t>21.05.2025</a:t>
+              <a:t>06.06.2025</a:t>
             </a:fld>
             <a:endParaRPr lang="ru-RU"/>
           </a:p>
@@ -890,7 +890,7 @@
           <a:p>
             <a:fld id="{85F72CD9-0D68-4353-874B-D3807195FF9D}" type="datetimeFigureOut">
               <a:rPr lang="ru-RU" smtClean="0"/>
-              <a:t>21.05.2025</a:t>
+              <a:t>06.06.2025</a:t>
             </a:fld>
             <a:endParaRPr lang="ru-RU"/>
           </a:p>
@@ -1165,7 +1165,7 @@
           <a:p>
             <a:fld id="{85F72CD9-0D68-4353-874B-D3807195FF9D}" type="datetimeFigureOut">
               <a:rPr lang="ru-RU" smtClean="0"/>
-              <a:t>21.05.2025</a:t>
+              <a:t>06.06.2025</a:t>
             </a:fld>
             <a:endParaRPr lang="ru-RU"/>
           </a:p>
@@ -1430,7 +1430,7 @@
           <a:p>
             <a:fld id="{85F72CD9-0D68-4353-874B-D3807195FF9D}" type="datetimeFigureOut">
               <a:rPr lang="ru-RU" smtClean="0"/>
-              <a:t>21.05.2025</a:t>
+              <a:t>06.06.2025</a:t>
             </a:fld>
             <a:endParaRPr lang="ru-RU"/>
           </a:p>
@@ -1842,7 +1842,7 @@
           <a:p>
             <a:fld id="{85F72CD9-0D68-4353-874B-D3807195FF9D}" type="datetimeFigureOut">
               <a:rPr lang="ru-RU" smtClean="0"/>
-              <a:t>21.05.2025</a:t>
+              <a:t>06.06.2025</a:t>
             </a:fld>
             <a:endParaRPr lang="ru-RU"/>
           </a:p>
@@ -1983,7 +1983,7 @@
           <a:p>
             <a:fld id="{85F72CD9-0D68-4353-874B-D3807195FF9D}" type="datetimeFigureOut">
               <a:rPr lang="ru-RU" smtClean="0"/>
-              <a:t>21.05.2025</a:t>
+              <a:t>06.06.2025</a:t>
             </a:fld>
             <a:endParaRPr lang="ru-RU"/>
           </a:p>
@@ -2096,7 +2096,7 @@
           <a:p>
             <a:fld id="{85F72CD9-0D68-4353-874B-D3807195FF9D}" type="datetimeFigureOut">
               <a:rPr lang="ru-RU" smtClean="0"/>
-              <a:t>21.05.2025</a:t>
+              <a:t>06.06.2025</a:t>
             </a:fld>
             <a:endParaRPr lang="ru-RU"/>
           </a:p>
@@ -2407,7 +2407,7 @@
           <a:p>
             <a:fld id="{85F72CD9-0D68-4353-874B-D3807195FF9D}" type="datetimeFigureOut">
               <a:rPr lang="ru-RU" smtClean="0"/>
-              <a:t>21.05.2025</a:t>
+              <a:t>06.06.2025</a:t>
             </a:fld>
             <a:endParaRPr lang="ru-RU"/>
           </a:p>
@@ -2695,7 +2695,7 @@
           <a:p>
             <a:fld id="{85F72CD9-0D68-4353-874B-D3807195FF9D}" type="datetimeFigureOut">
               <a:rPr lang="ru-RU" smtClean="0"/>
-              <a:t>21.05.2025</a:t>
+              <a:t>06.06.2025</a:t>
             </a:fld>
             <a:endParaRPr lang="ru-RU"/>
           </a:p>
@@ -2936,7 +2936,7 @@
           <a:p>
             <a:fld id="{85F72CD9-0D68-4353-874B-D3807195FF9D}" type="datetimeFigureOut">
               <a:rPr lang="ru-RU" smtClean="0"/>
-              <a:t>21.05.2025</a:t>
+              <a:t>06.06.2025</a:t>
             </a:fld>
             <a:endParaRPr lang="ru-RU"/>
           </a:p>
@@ -4236,13 +4236,19 @@
         </p:nvSpPr>
         <p:spPr/>
         <p:txBody>
-          <a:bodyPr/>
+          <a:bodyPr>
+            <a:normAutofit fontScale="90000"/>
+          </a:bodyPr>
           <a:lstStyle/>
           <a:p>
             <a:r>
               <a:rPr lang="ru-RU" b="1" dirty="0"/>
-              <a:t>Создание виртуального окружения</a:t>
-            </a:r>
+              <a:t>Создание виртуального окружения и установка модулей</a:t>
+            </a:r>
+            <a:br>
+              <a:rPr lang="ru-RU" b="1" dirty="0"/>
+            </a:br>
+            <a:endParaRPr lang="ru-RU" b="1" dirty="0"/>
           </a:p>
         </p:txBody>
       </p:sp>
